--- a/gr2_lhj/user_w_hj_make_reward.pptx
+++ b/gr2_lhj/user_w_hj_make_reward.pptx
@@ -7393,7 +7393,7 @@
           <p:nvPr>
             <p:extLst>
               <p:ext uri="{D42A27DB-BD31-4B8C-83A1-F6EECF244321}">
-                <p14:modId xmlns:p14="http://schemas.microsoft.com/office/powerpoint/2010/main" val="3267181556"/>
+                <p14:modId xmlns:p14="http://schemas.microsoft.com/office/powerpoint/2010/main" val="3803386361"/>
               </p:ext>
             </p:extLst>
           </p:nvPr>
@@ -7528,7 +7528,7 @@
                             <a:schemeClr val="dk1"/>
                           </a:solidFill>
                         </a:rPr>
-                        <a:t>user_w_hj_make_reward</a:t>
+                        <a:t>user_m_hj_make_reward</a:t>
                       </a:r>
                       <a:endParaRPr sz="1100" b="0" u="none" strike="noStrike" cap="none" dirty="0">
                         <a:solidFill>
@@ -10008,7 +10008,7 @@
           <p:nvPr>
             <p:extLst>
               <p:ext uri="{D42A27DB-BD31-4B8C-83A1-F6EECF244321}">
-                <p14:modId xmlns:p14="http://schemas.microsoft.com/office/powerpoint/2010/main" val="1406172760"/>
+                <p14:modId xmlns:p14="http://schemas.microsoft.com/office/powerpoint/2010/main" val="1739927582"/>
               </p:ext>
             </p:extLst>
           </p:nvPr>
@@ -10143,7 +10143,7 @@
                             <a:schemeClr val="dk1"/>
                           </a:solidFill>
                         </a:rPr>
-                        <a:t>user_w_hj_make_reward</a:t>
+                        <a:t>user_m_hj_make_reward</a:t>
                       </a:r>
                       <a:endParaRPr sz="1100" b="0" u="none" strike="noStrike" cap="none" dirty="0">
                         <a:solidFill>
@@ -11948,7 +11948,7 @@
           <p:nvPr>
             <p:extLst>
               <p:ext uri="{D42A27DB-BD31-4B8C-83A1-F6EECF244321}">
-                <p14:modId xmlns:p14="http://schemas.microsoft.com/office/powerpoint/2010/main" val="4207436949"/>
+                <p14:modId xmlns:p14="http://schemas.microsoft.com/office/powerpoint/2010/main" val="2276221450"/>
               </p:ext>
             </p:extLst>
           </p:nvPr>
@@ -12083,7 +12083,7 @@
                             <a:schemeClr val="dk1"/>
                           </a:solidFill>
                         </a:rPr>
-                        <a:t>user_w_hj_make_reward</a:t>
+                        <a:t>user_m_hj_make_reward</a:t>
                       </a:r>
                       <a:endParaRPr sz="1100" b="0" u="none" strike="noStrike" cap="none" dirty="0">
                         <a:solidFill>
@@ -26072,7 +26072,7 @@
           <p:nvPr>
             <p:extLst>
               <p:ext uri="{D42A27DB-BD31-4B8C-83A1-F6EECF244321}">
-                <p14:modId xmlns:p14="http://schemas.microsoft.com/office/powerpoint/2010/main" val="921419734"/>
+                <p14:modId xmlns:p14="http://schemas.microsoft.com/office/powerpoint/2010/main" val="2345833377"/>
               </p:ext>
             </p:extLst>
           </p:nvPr>
@@ -26207,7 +26207,7 @@
                             <a:schemeClr val="dk1"/>
                           </a:solidFill>
                         </a:rPr>
-                        <a:t>user_w_hj_make_reward</a:t>
+                        <a:t>user_m_hj_make_reward</a:t>
                       </a:r>
                       <a:endParaRPr sz="1100" b="0" u="none" strike="noStrike" cap="none" dirty="0">
                         <a:solidFill>
@@ -28462,7 +28462,7 @@
           <p:nvPr>
             <p:extLst>
               <p:ext uri="{D42A27DB-BD31-4B8C-83A1-F6EECF244321}">
-                <p14:modId xmlns:p14="http://schemas.microsoft.com/office/powerpoint/2010/main" val="3126887120"/>
+                <p14:modId xmlns:p14="http://schemas.microsoft.com/office/powerpoint/2010/main" val="3431559440"/>
               </p:ext>
             </p:extLst>
           </p:nvPr>
@@ -28597,7 +28597,7 @@
                             <a:schemeClr val="dk1"/>
                           </a:solidFill>
                         </a:rPr>
-                        <a:t>user_w_hj_make_reward</a:t>
+                        <a:t>user_m_hj_make_reward</a:t>
                       </a:r>
                       <a:endParaRPr sz="1100" b="0" u="none" strike="noStrike" cap="none" dirty="0">
                         <a:solidFill>
@@ -30779,7 +30779,7 @@
           <p:nvPr>
             <p:extLst>
               <p:ext uri="{D42A27DB-BD31-4B8C-83A1-F6EECF244321}">
-                <p14:modId xmlns:p14="http://schemas.microsoft.com/office/powerpoint/2010/main" val="1107187184"/>
+                <p14:modId xmlns:p14="http://schemas.microsoft.com/office/powerpoint/2010/main" val="2868678405"/>
               </p:ext>
             </p:extLst>
           </p:nvPr>
@@ -30914,7 +30914,7 @@
                             <a:schemeClr val="dk1"/>
                           </a:solidFill>
                         </a:rPr>
-                        <a:t>user_w_hj_make_reward</a:t>
+                        <a:t>user_m_hj_make_reward</a:t>
                       </a:r>
                       <a:endParaRPr sz="1100" b="0" u="none" strike="noStrike" cap="none" dirty="0">
                         <a:solidFill>

--- a/gr2_lhj/user_w_hj_make_reward.pptx
+++ b/gr2_lhj/user_w_hj_make_reward.pptx
@@ -7393,7 +7393,7 @@
           <p:nvPr>
             <p:extLst>
               <p:ext uri="{D42A27DB-BD31-4B8C-83A1-F6EECF244321}">
-                <p14:modId xmlns:p14="http://schemas.microsoft.com/office/powerpoint/2010/main" val="3803386361"/>
+                <p14:modId xmlns:p14="http://schemas.microsoft.com/office/powerpoint/2010/main" val="3267181556"/>
               </p:ext>
             </p:extLst>
           </p:nvPr>
@@ -7528,7 +7528,7 @@
                             <a:schemeClr val="dk1"/>
                           </a:solidFill>
                         </a:rPr>
-                        <a:t>user_m_hj_make_reward</a:t>
+                        <a:t>user_w_hj_make_reward</a:t>
                       </a:r>
                       <a:endParaRPr sz="1100" b="0" u="none" strike="noStrike" cap="none" dirty="0">
                         <a:solidFill>
@@ -10008,7 +10008,7 @@
           <p:nvPr>
             <p:extLst>
               <p:ext uri="{D42A27DB-BD31-4B8C-83A1-F6EECF244321}">
-                <p14:modId xmlns:p14="http://schemas.microsoft.com/office/powerpoint/2010/main" val="1739927582"/>
+                <p14:modId xmlns:p14="http://schemas.microsoft.com/office/powerpoint/2010/main" val="1406172760"/>
               </p:ext>
             </p:extLst>
           </p:nvPr>
@@ -10143,7 +10143,7 @@
                             <a:schemeClr val="dk1"/>
                           </a:solidFill>
                         </a:rPr>
-                        <a:t>user_m_hj_make_reward</a:t>
+                        <a:t>user_w_hj_make_reward</a:t>
                       </a:r>
                       <a:endParaRPr sz="1100" b="0" u="none" strike="noStrike" cap="none" dirty="0">
                         <a:solidFill>
@@ -11948,7 +11948,7 @@
           <p:nvPr>
             <p:extLst>
               <p:ext uri="{D42A27DB-BD31-4B8C-83A1-F6EECF244321}">
-                <p14:modId xmlns:p14="http://schemas.microsoft.com/office/powerpoint/2010/main" val="2276221450"/>
+                <p14:modId xmlns:p14="http://schemas.microsoft.com/office/powerpoint/2010/main" val="4207436949"/>
               </p:ext>
             </p:extLst>
           </p:nvPr>
@@ -12083,7 +12083,7 @@
                             <a:schemeClr val="dk1"/>
                           </a:solidFill>
                         </a:rPr>
-                        <a:t>user_m_hj_make_reward</a:t>
+                        <a:t>user_w_hj_make_reward</a:t>
                       </a:r>
                       <a:endParaRPr sz="1100" b="0" u="none" strike="noStrike" cap="none" dirty="0">
                         <a:solidFill>
@@ -26072,7 +26072,7 @@
           <p:nvPr>
             <p:extLst>
               <p:ext uri="{D42A27DB-BD31-4B8C-83A1-F6EECF244321}">
-                <p14:modId xmlns:p14="http://schemas.microsoft.com/office/powerpoint/2010/main" val="2345833377"/>
+                <p14:modId xmlns:p14="http://schemas.microsoft.com/office/powerpoint/2010/main" val="921419734"/>
               </p:ext>
             </p:extLst>
           </p:nvPr>
@@ -26207,7 +26207,7 @@
                             <a:schemeClr val="dk1"/>
                           </a:solidFill>
                         </a:rPr>
-                        <a:t>user_m_hj_make_reward</a:t>
+                        <a:t>user_w_hj_make_reward</a:t>
                       </a:r>
                       <a:endParaRPr sz="1100" b="0" u="none" strike="noStrike" cap="none" dirty="0">
                         <a:solidFill>
@@ -28462,7 +28462,7 @@
           <p:nvPr>
             <p:extLst>
               <p:ext uri="{D42A27DB-BD31-4B8C-83A1-F6EECF244321}">
-                <p14:modId xmlns:p14="http://schemas.microsoft.com/office/powerpoint/2010/main" val="3431559440"/>
+                <p14:modId xmlns:p14="http://schemas.microsoft.com/office/powerpoint/2010/main" val="3126887120"/>
               </p:ext>
             </p:extLst>
           </p:nvPr>
@@ -28597,7 +28597,7 @@
                             <a:schemeClr val="dk1"/>
                           </a:solidFill>
                         </a:rPr>
-                        <a:t>user_m_hj_make_reward</a:t>
+                        <a:t>user_w_hj_make_reward</a:t>
                       </a:r>
                       <a:endParaRPr sz="1100" b="0" u="none" strike="noStrike" cap="none" dirty="0">
                         <a:solidFill>
@@ -30779,7 +30779,7 @@
           <p:nvPr>
             <p:extLst>
               <p:ext uri="{D42A27DB-BD31-4B8C-83A1-F6EECF244321}">
-                <p14:modId xmlns:p14="http://schemas.microsoft.com/office/powerpoint/2010/main" val="2868678405"/>
+                <p14:modId xmlns:p14="http://schemas.microsoft.com/office/powerpoint/2010/main" val="1107187184"/>
               </p:ext>
             </p:extLst>
           </p:nvPr>
@@ -30914,7 +30914,7 @@
                             <a:schemeClr val="dk1"/>
                           </a:solidFill>
                         </a:rPr>
-                        <a:t>user_m_hj_make_reward</a:t>
+                        <a:t>user_w_hj_make_reward</a:t>
                       </a:r>
                       <a:endParaRPr sz="1100" b="0" u="none" strike="noStrike" cap="none" dirty="0">
                         <a:solidFill>
